--- a/Presentation/SemCon.pptx
+++ b/Presentation/SemCon.pptx
@@ -7673,13 +7673,13 @@
           <p:nvPr>
             <p:extLst>
               <p:ext uri="{D42A27DB-BD31-4B8C-83A1-F6EECF244321}">
-                <p14:modId xmlns:p14="http://schemas.microsoft.com/office/powerpoint/2010/main" val="1281153952"/>
+                <p14:modId xmlns:p14="http://schemas.microsoft.com/office/powerpoint/2010/main" val="2550568709"/>
               </p:ext>
             </p:extLst>
           </p:nvPr>
         </p:nvGraphicFramePr>
         <p:xfrm>
-          <a:off x="848946" y="1734648"/>
+          <a:off x="655517" y="1734648"/>
           <a:ext cx="8956428" cy="741680"/>
         </p:xfrm>
         <a:graphic>
@@ -7886,13 +7886,13 @@
           <p:nvPr>
             <p:extLst>
               <p:ext uri="{D42A27DB-BD31-4B8C-83A1-F6EECF244321}">
-                <p14:modId xmlns:p14="http://schemas.microsoft.com/office/powerpoint/2010/main" val="2653663977"/>
+                <p14:modId xmlns:p14="http://schemas.microsoft.com/office/powerpoint/2010/main" val="3054326318"/>
               </p:ext>
             </p:extLst>
           </p:nvPr>
         </p:nvGraphicFramePr>
         <p:xfrm>
-          <a:off x="846992" y="2551820"/>
+          <a:off x="653563" y="2551820"/>
           <a:ext cx="8956428" cy="741680"/>
         </p:xfrm>
         <a:graphic>
@@ -8158,13 +8158,13 @@
           <p:nvPr>
             <p:extLst>
               <p:ext uri="{D42A27DB-BD31-4B8C-83A1-F6EECF244321}">
-                <p14:modId xmlns:p14="http://schemas.microsoft.com/office/powerpoint/2010/main" val="2764653611"/>
+                <p14:modId xmlns:p14="http://schemas.microsoft.com/office/powerpoint/2010/main" val="3059820277"/>
               </p:ext>
             </p:extLst>
           </p:nvPr>
         </p:nvGraphicFramePr>
         <p:xfrm>
-          <a:off x="848946" y="3412952"/>
+          <a:off x="655517" y="3412952"/>
           <a:ext cx="8954475" cy="1854200"/>
         </p:xfrm>
         <a:graphic>
@@ -8190,30 +8190,40 @@
                       <a:r>
                         <a:rPr lang="da-DK" sz="1800" u="none" strike="noStrike" dirty="0" err="1">
                           <a:effectLst/>
+                          <a:latin typeface="Arial" panose="020B0604020202020204" pitchFamily="34" charset="0"/>
+                          <a:cs typeface="Arial" panose="020B0604020202020204" pitchFamily="34" charset="0"/>
                         </a:rPr>
                         <a:t>Tx</a:t>
                       </a:r>
                       <a:r>
                         <a:rPr lang="da-DK" sz="1800" u="none" strike="noStrike" dirty="0">
                           <a:effectLst/>
+                          <a:latin typeface="Arial" panose="020B0604020202020204" pitchFamily="34" charset="0"/>
+                          <a:cs typeface="Arial" panose="020B0604020202020204" pitchFamily="34" charset="0"/>
                         </a:rPr>
                         <a:t> </a:t>
                       </a:r>
                       <a:r>
                         <a:rPr lang="da-DK" sz="1800" u="none" strike="noStrike" dirty="0" smtClean="0">
                           <a:effectLst/>
+                          <a:latin typeface="Arial" panose="020B0604020202020204" pitchFamily="34" charset="0"/>
+                          <a:cs typeface="Arial" panose="020B0604020202020204" pitchFamily="34" charset="0"/>
                         </a:rPr>
                         <a:t>\ </a:t>
                       </a:r>
                       <a:r>
                         <a:rPr lang="da-DK" sz="1800" u="none" strike="noStrike" dirty="0" err="1" smtClean="0">
                           <a:effectLst/>
+                          <a:latin typeface="Arial" panose="020B0604020202020204" pitchFamily="34" charset="0"/>
+                          <a:cs typeface="Arial" panose="020B0604020202020204" pitchFamily="34" charset="0"/>
                         </a:rPr>
                         <a:t>Rx</a:t>
                       </a:r>
                       <a:r>
                         <a:rPr lang="da-DK" sz="1800" u="none" strike="noStrike" dirty="0" smtClean="0">
                           <a:effectLst/>
+                          <a:latin typeface="Arial" panose="020B0604020202020204" pitchFamily="34" charset="0"/>
+                          <a:cs typeface="Arial" panose="020B0604020202020204" pitchFamily="34" charset="0"/>
                         </a:rPr>
                         <a:t> </a:t>
                       </a:r>
@@ -8238,6 +8248,8 @@
                       <a:r>
                         <a:rPr lang="da-DK" sz="1800" u="none" strike="noStrike" dirty="0">
                           <a:effectLst/>
+                          <a:latin typeface="Arial" panose="020B0604020202020204" pitchFamily="34" charset="0"/>
+                          <a:cs typeface="Arial" panose="020B0604020202020204" pitchFamily="34" charset="0"/>
                         </a:rPr>
                         <a:t>0.04 m </a:t>
                       </a:r>
@@ -8262,6 +8274,8 @@
                       <a:r>
                         <a:rPr lang="da-DK" sz="1800" u="none" strike="noStrike">
                           <a:effectLst/>
+                          <a:latin typeface="Arial" panose="020B0604020202020204" pitchFamily="34" charset="0"/>
+                          <a:cs typeface="Arial" panose="020B0604020202020204" pitchFamily="34" charset="0"/>
                         </a:rPr>
                         <a:t>0.14 m</a:t>
                       </a:r>
@@ -8286,6 +8300,8 @@
                       <a:r>
                         <a:rPr lang="da-DK" sz="1800" u="none" strike="noStrike" dirty="0">
                           <a:effectLst/>
+                          <a:latin typeface="Arial" panose="020B0604020202020204" pitchFamily="34" charset="0"/>
+                          <a:cs typeface="Arial" panose="020B0604020202020204" pitchFamily="34" charset="0"/>
                         </a:rPr>
                         <a:t> 0.36 m</a:t>
                       </a:r>
@@ -8310,6 +8326,8 @@
                       <a:r>
                         <a:rPr lang="da-DK" sz="1800" u="none" strike="noStrike" dirty="0">
                           <a:effectLst/>
+                          <a:latin typeface="Arial" panose="020B0604020202020204" pitchFamily="34" charset="0"/>
+                          <a:cs typeface="Arial" panose="020B0604020202020204" pitchFamily="34" charset="0"/>
                         </a:rPr>
                         <a:t> 2.02 m</a:t>
                       </a:r>
@@ -8336,6 +8354,8 @@
                       <a:r>
                         <a:rPr lang="da-DK" sz="1800" u="none" strike="noStrike" dirty="0">
                           <a:effectLst/>
+                          <a:latin typeface="Arial" panose="020B0604020202020204" pitchFamily="34" charset="0"/>
+                          <a:cs typeface="Arial" panose="020B0604020202020204" pitchFamily="34" charset="0"/>
                         </a:rPr>
                         <a:t>0.04 m</a:t>
                       </a:r>
@@ -8358,12 +8378,14 @@
                     <a:p>
                       <a:pPr algn="ctr" fontAlgn="b"/>
                       <a:r>
-                        <a:rPr lang="da-DK" sz="1800" u="none" strike="noStrike">
+                        <a:rPr lang="da-DK" sz="1800" u="none" strike="noStrike" dirty="0">
                           <a:effectLst/>
+                          <a:latin typeface="Arial" panose="020B0604020202020204" pitchFamily="34" charset="0"/>
+                          <a:cs typeface="Arial" panose="020B0604020202020204" pitchFamily="34" charset="0"/>
                         </a:rPr>
                         <a:t> (63.7±5.2) dB</a:t>
                       </a:r>
-                      <a:endParaRPr lang="da-DK" sz="1800" b="0" i="0" u="none" strike="noStrike">
+                      <a:endParaRPr lang="da-DK" sz="1800" b="0" i="0" u="none" strike="noStrike" dirty="0">
                         <a:solidFill>
                           <a:srgbClr val="000000"/>
                         </a:solidFill>
@@ -8384,6 +8406,8 @@
                       <a:r>
                         <a:rPr lang="da-DK" sz="1800" u="none" strike="noStrike">
                           <a:effectLst/>
+                          <a:latin typeface="Arial" panose="020B0604020202020204" pitchFamily="34" charset="0"/>
+                          <a:cs typeface="Arial" panose="020B0604020202020204" pitchFamily="34" charset="0"/>
                         </a:rPr>
                         <a:t> (60.7±5.1) dB</a:t>
                       </a:r>
@@ -8408,6 +8432,8 @@
                       <a:r>
                         <a:rPr lang="da-DK" sz="1800" u="none" strike="noStrike">
                           <a:effectLst/>
+                          <a:latin typeface="Arial" panose="020B0604020202020204" pitchFamily="34" charset="0"/>
+                          <a:cs typeface="Arial" panose="020B0604020202020204" pitchFamily="34" charset="0"/>
                         </a:rPr>
                         <a:t> (55.4±4.7) dB</a:t>
                       </a:r>
@@ -8432,6 +8458,8 @@
                       <a:r>
                         <a:rPr lang="da-DK" sz="1800" u="none" strike="noStrike">
                           <a:effectLst/>
+                          <a:latin typeface="Arial" panose="020B0604020202020204" pitchFamily="34" charset="0"/>
+                          <a:cs typeface="Arial" panose="020B0604020202020204" pitchFamily="34" charset="0"/>
                         </a:rPr>
                         <a:t> (52.4±3.8) dB</a:t>
                       </a:r>
@@ -8458,6 +8486,8 @@
                       <a:r>
                         <a:rPr lang="da-DK" sz="1800" u="none" strike="noStrike">
                           <a:effectLst/>
+                          <a:latin typeface="Arial" panose="020B0604020202020204" pitchFamily="34" charset="0"/>
+                          <a:cs typeface="Arial" panose="020B0604020202020204" pitchFamily="34" charset="0"/>
                         </a:rPr>
                         <a:t>0.14 m</a:t>
                       </a:r>
@@ -8482,6 +8512,8 @@
                       <a:r>
                         <a:rPr lang="da-DK" sz="1800" u="none" strike="noStrike">
                           <a:effectLst/>
+                          <a:latin typeface="Arial" panose="020B0604020202020204" pitchFamily="34" charset="0"/>
+                          <a:cs typeface="Arial" panose="020B0604020202020204" pitchFamily="34" charset="0"/>
                         </a:rPr>
                         <a:t> (60.7±5.1) dB</a:t>
                       </a:r>
@@ -8506,6 +8538,8 @@
                       <a:r>
                         <a:rPr lang="da-DK" sz="1800" u="none" strike="noStrike">
                           <a:effectLst/>
+                          <a:latin typeface="Arial" panose="020B0604020202020204" pitchFamily="34" charset="0"/>
+                          <a:cs typeface="Arial" panose="020B0604020202020204" pitchFamily="34" charset="0"/>
                         </a:rPr>
                         <a:t> (58.1±5.2) dB</a:t>
                       </a:r>
@@ -8530,6 +8564,8 @@
                       <a:r>
                         <a:rPr lang="da-DK" sz="1800" u="none" strike="noStrike">
                           <a:effectLst/>
+                          <a:latin typeface="Arial" panose="020B0604020202020204" pitchFamily="34" charset="0"/>
+                          <a:cs typeface="Arial" panose="020B0604020202020204" pitchFamily="34" charset="0"/>
                         </a:rPr>
                         <a:t> (53.4±4.5) dB</a:t>
                       </a:r>
@@ -8554,6 +8590,8 @@
                       <a:r>
                         <a:rPr lang="da-DK" sz="1800" u="none" strike="noStrike">
                           <a:effectLst/>
+                          <a:latin typeface="Arial" panose="020B0604020202020204" pitchFamily="34" charset="0"/>
+                          <a:cs typeface="Arial" panose="020B0604020202020204" pitchFamily="34" charset="0"/>
                         </a:rPr>
                         <a:t> (50.2±3.2) dB</a:t>
                       </a:r>
@@ -8580,6 +8618,8 @@
                       <a:r>
                         <a:rPr lang="da-DK" sz="1800" u="none" strike="noStrike">
                           <a:effectLst/>
+                          <a:latin typeface="Arial" panose="020B0604020202020204" pitchFamily="34" charset="0"/>
+                          <a:cs typeface="Arial" panose="020B0604020202020204" pitchFamily="34" charset="0"/>
                         </a:rPr>
                         <a:t>0.36 m</a:t>
                       </a:r>
@@ -8604,6 +8644,8 @@
                       <a:r>
                         <a:rPr lang="da-DK" sz="1800" u="none" strike="noStrike">
                           <a:effectLst/>
+                          <a:latin typeface="Arial" panose="020B0604020202020204" pitchFamily="34" charset="0"/>
+                          <a:cs typeface="Arial" panose="020B0604020202020204" pitchFamily="34" charset="0"/>
                         </a:rPr>
                         <a:t> (55.4±4.7) dB</a:t>
                       </a:r>
@@ -8628,6 +8670,8 @@
                       <a:r>
                         <a:rPr lang="da-DK" sz="1800" u="none" strike="noStrike">
                           <a:effectLst/>
+                          <a:latin typeface="Arial" panose="020B0604020202020204" pitchFamily="34" charset="0"/>
+                          <a:cs typeface="Arial" panose="020B0604020202020204" pitchFamily="34" charset="0"/>
                         </a:rPr>
                         <a:t> (53.4±4.5) dB</a:t>
                       </a:r>
@@ -8652,6 +8696,8 @@
                       <a:r>
                         <a:rPr lang="da-DK" sz="1800" u="none" strike="noStrike">
                           <a:effectLst/>
+                          <a:latin typeface="Arial" panose="020B0604020202020204" pitchFamily="34" charset="0"/>
+                          <a:cs typeface="Arial" panose="020B0604020202020204" pitchFamily="34" charset="0"/>
                         </a:rPr>
                         <a:t> (49.0±2.9) dB</a:t>
                       </a:r>
@@ -8676,6 +8722,8 @@
                       <a:r>
                         <a:rPr lang="da-DK" sz="1800" u="none" strike="noStrike">
                           <a:effectLst/>
+                          <a:latin typeface="Arial" panose="020B0604020202020204" pitchFamily="34" charset="0"/>
+                          <a:cs typeface="Arial" panose="020B0604020202020204" pitchFamily="34" charset="0"/>
                         </a:rPr>
                         <a:t> (47.6±4.8) dB</a:t>
                       </a:r>
@@ -8702,6 +8750,8 @@
                       <a:r>
                         <a:rPr lang="da-DK" sz="1800" u="none" strike="noStrike">
                           <a:effectLst/>
+                          <a:latin typeface="Arial" panose="020B0604020202020204" pitchFamily="34" charset="0"/>
+                          <a:cs typeface="Arial" panose="020B0604020202020204" pitchFamily="34" charset="0"/>
                         </a:rPr>
                         <a:t>2.02 m</a:t>
                       </a:r>
@@ -8726,6 +8776,8 @@
                       <a:r>
                         <a:rPr lang="da-DK" sz="1800" u="none" strike="noStrike">
                           <a:effectLst/>
+                          <a:latin typeface="Arial" panose="020B0604020202020204" pitchFamily="34" charset="0"/>
+                          <a:cs typeface="Arial" panose="020B0604020202020204" pitchFamily="34" charset="0"/>
                         </a:rPr>
                         <a:t> (52.4±3.8) dB</a:t>
                       </a:r>
@@ -8750,6 +8802,8 @@
                       <a:r>
                         <a:rPr lang="da-DK" sz="1800" u="none" strike="noStrike">
                           <a:effectLst/>
+                          <a:latin typeface="Arial" panose="020B0604020202020204" pitchFamily="34" charset="0"/>
+                          <a:cs typeface="Arial" panose="020B0604020202020204" pitchFamily="34" charset="0"/>
                         </a:rPr>
                         <a:t> (50.2±3.2) dB</a:t>
                       </a:r>
@@ -8774,6 +8828,8 @@
                       <a:r>
                         <a:rPr lang="da-DK" sz="1800" u="none" strike="noStrike">
                           <a:effectLst/>
+                          <a:latin typeface="Arial" panose="020B0604020202020204" pitchFamily="34" charset="0"/>
+                          <a:cs typeface="Arial" panose="020B0604020202020204" pitchFamily="34" charset="0"/>
                         </a:rPr>
                         <a:t> (47.6±4.8) dB</a:t>
                       </a:r>
@@ -8798,6 +8854,8 @@
                       <a:r>
                         <a:rPr lang="da-DK" sz="1800" u="none" strike="noStrike" dirty="0">
                           <a:effectLst/>
+                          <a:latin typeface="Arial" panose="020B0604020202020204" pitchFamily="34" charset="0"/>
+                          <a:cs typeface="Arial" panose="020B0604020202020204" pitchFamily="34" charset="0"/>
                         </a:rPr>
                         <a:t> (44.4±3.1) dB</a:t>
                       </a:r>
@@ -8827,13 +8885,13 @@
           <p:nvPr>
             <p:extLst>
               <p:ext uri="{D42A27DB-BD31-4B8C-83A1-F6EECF244321}">
-                <p14:modId xmlns:p14="http://schemas.microsoft.com/office/powerpoint/2010/main" val="2794815454"/>
+                <p14:modId xmlns:p14="http://schemas.microsoft.com/office/powerpoint/2010/main" val="2781274438"/>
               </p:ext>
             </p:extLst>
           </p:nvPr>
         </p:nvGraphicFramePr>
         <p:xfrm>
-          <a:off x="846988" y="5390240"/>
+          <a:off x="653559" y="5390240"/>
           <a:ext cx="8956434" cy="1112520"/>
         </p:xfrm>
         <a:graphic>
@@ -8860,6 +8918,8 @@
                       <a:r>
                         <a:rPr lang="da-DK" sz="1800" u="none" strike="noStrike" dirty="0">
                           <a:effectLst/>
+                          <a:latin typeface="Arial" panose="020B0604020202020204" pitchFamily="34" charset="0"/>
+                          <a:cs typeface="Arial" panose="020B0604020202020204" pitchFamily="34" charset="0"/>
                         </a:rPr>
                         <a:t>Environment </a:t>
                       </a:r>
@@ -8894,12 +8954,16 @@
                       <a:r>
                         <a:rPr lang="da-DK" sz="1800" u="none" strike="noStrike" dirty="0" err="1">
                           <a:effectLst/>
+                          <a:latin typeface="Arial" panose="020B0604020202020204" pitchFamily="34" charset="0"/>
+                          <a:cs typeface="Arial" panose="020B0604020202020204" pitchFamily="34" charset="0"/>
                         </a:rPr>
                         <a:t>Antenna</a:t>
                       </a:r>
                       <a:r>
                         <a:rPr lang="da-DK" sz="1800" u="none" strike="noStrike" dirty="0">
                           <a:effectLst/>
+                          <a:latin typeface="Arial" panose="020B0604020202020204" pitchFamily="34" charset="0"/>
+                          <a:cs typeface="Arial" panose="020B0604020202020204" pitchFamily="34" charset="0"/>
                         </a:rPr>
                         <a:t> type </a:t>
                       </a:r>
@@ -8934,6 +8998,8 @@
                       <a:r>
                         <a:rPr lang="da-DK" sz="1800" u="none" strike="noStrike">
                           <a:effectLst/>
+                          <a:latin typeface="Arial" panose="020B0604020202020204" pitchFamily="34" charset="0"/>
+                          <a:cs typeface="Arial" panose="020B0604020202020204" pitchFamily="34" charset="0"/>
                         </a:rPr>
                         <a:t>Polarization</a:t>
                       </a:r>
@@ -8970,12 +9036,16 @@
                       <a:r>
                         <a:rPr lang="da-DK" sz="1800" u="none" strike="noStrike" dirty="0" err="1">
                           <a:effectLst/>
+                          <a:latin typeface="Arial" panose="020B0604020202020204" pitchFamily="34" charset="0"/>
+                          <a:cs typeface="Arial" panose="020B0604020202020204" pitchFamily="34" charset="0"/>
                         </a:rPr>
                         <a:t>Gym</a:t>
                       </a:r>
                       <a:r>
                         <a:rPr lang="da-DK" sz="1800" u="none" strike="noStrike" dirty="0">
                           <a:effectLst/>
+                          <a:latin typeface="Arial" panose="020B0604020202020204" pitchFamily="34" charset="0"/>
+                          <a:cs typeface="Arial" panose="020B0604020202020204" pitchFamily="34" charset="0"/>
                         </a:rPr>
                         <a:t> </a:t>
                       </a:r>
@@ -9000,6 +9070,8 @@
                       <a:r>
                         <a:rPr lang="da-DK" sz="1800" u="none" strike="noStrike" dirty="0">
                           <a:effectLst/>
+                          <a:latin typeface="Arial" panose="020B0604020202020204" pitchFamily="34" charset="0"/>
+                          <a:cs typeface="Arial" panose="020B0604020202020204" pitchFamily="34" charset="0"/>
                         </a:rPr>
                         <a:t>(52.4±1.8) dB</a:t>
                       </a:r>
@@ -9024,6 +9096,8 @@
                       <a:r>
                         <a:rPr lang="da-DK" sz="1800" u="none" strike="noStrike">
                           <a:effectLst/>
+                          <a:latin typeface="Arial" panose="020B0604020202020204" pitchFamily="34" charset="0"/>
+                          <a:cs typeface="Arial" panose="020B0604020202020204" pitchFamily="34" charset="0"/>
                         </a:rPr>
                         <a:t> Monopole </a:t>
                       </a:r>
@@ -9048,6 +9122,8 @@
                       <a:r>
                         <a:rPr lang="da-DK" sz="1800" u="none" strike="noStrike" dirty="0">
                           <a:effectLst/>
+                          <a:latin typeface="Arial" panose="020B0604020202020204" pitchFamily="34" charset="0"/>
+                          <a:cs typeface="Arial" panose="020B0604020202020204" pitchFamily="34" charset="0"/>
                         </a:rPr>
                         <a:t>(55.6±2.0) dB </a:t>
                       </a:r>
@@ -9072,6 +9148,8 @@
                       <a:r>
                         <a:rPr lang="da-DK" sz="1800" u="none" strike="noStrike">
                           <a:effectLst/>
+                          <a:latin typeface="Arial" panose="020B0604020202020204" pitchFamily="34" charset="0"/>
+                          <a:cs typeface="Arial" panose="020B0604020202020204" pitchFamily="34" charset="0"/>
                         </a:rPr>
                         <a:t>Vertical</a:t>
                       </a:r>
@@ -9096,6 +9174,8 @@
                       <a:r>
                         <a:rPr lang="da-DK" sz="1800" u="none" strike="noStrike" dirty="0">
                           <a:effectLst/>
+                          <a:latin typeface="Arial" panose="020B0604020202020204" pitchFamily="34" charset="0"/>
+                          <a:cs typeface="Arial" panose="020B0604020202020204" pitchFamily="34" charset="0"/>
                         </a:rPr>
                         <a:t> (51.8±1.9) dB</a:t>
                       </a:r>
@@ -9122,6 +9202,8 @@
                       <a:r>
                         <a:rPr lang="da-DK" sz="1800" u="none" strike="noStrike">
                           <a:effectLst/>
+                          <a:latin typeface="Arial" panose="020B0604020202020204" pitchFamily="34" charset="0"/>
+                          <a:cs typeface="Arial" panose="020B0604020202020204" pitchFamily="34" charset="0"/>
                         </a:rPr>
                         <a:t>Parking lot</a:t>
                       </a:r>
@@ -9146,6 +9228,8 @@
                       <a:r>
                         <a:rPr lang="da-DK" sz="1800" u="none" strike="noStrike">
                           <a:effectLst/>
+                          <a:latin typeface="Arial" panose="020B0604020202020204" pitchFamily="34" charset="0"/>
+                          <a:cs typeface="Arial" panose="020B0604020202020204" pitchFamily="34" charset="0"/>
                         </a:rPr>
                         <a:t> (54.6±2.2) dB</a:t>
                       </a:r>
@@ -9170,6 +9254,8 @@
                       <a:r>
                         <a:rPr lang="da-DK" sz="1800" u="none" strike="noStrike">
                           <a:effectLst/>
+                          <a:latin typeface="Arial" panose="020B0604020202020204" pitchFamily="34" charset="0"/>
+                          <a:cs typeface="Arial" panose="020B0604020202020204" pitchFamily="34" charset="0"/>
                         </a:rPr>
                         <a:t> Patch</a:t>
                       </a:r>
@@ -9194,6 +9280,8 @@
                       <a:r>
                         <a:rPr lang="da-DK" sz="1800" u="none" strike="noStrike" dirty="0">
                           <a:effectLst/>
+                          <a:latin typeface="Arial" panose="020B0604020202020204" pitchFamily="34" charset="0"/>
+                          <a:cs typeface="Arial" panose="020B0604020202020204" pitchFamily="34" charset="0"/>
                         </a:rPr>
                         <a:t> (51.4±2.0) dB </a:t>
                       </a:r>
@@ -9218,12 +9306,16 @@
                       <a:r>
                         <a:rPr lang="da-DK" sz="1800" u="none" strike="noStrike" dirty="0" err="1">
                           <a:effectLst/>
+                          <a:latin typeface="Arial" panose="020B0604020202020204" pitchFamily="34" charset="0"/>
+                          <a:cs typeface="Arial" panose="020B0604020202020204" pitchFamily="34" charset="0"/>
                         </a:rPr>
                         <a:t>Horizontal</a:t>
                       </a:r>
                       <a:r>
                         <a:rPr lang="da-DK" sz="1800" u="none" strike="noStrike" dirty="0">
                           <a:effectLst/>
+                          <a:latin typeface="Arial" panose="020B0604020202020204" pitchFamily="34" charset="0"/>
+                          <a:cs typeface="Arial" panose="020B0604020202020204" pitchFamily="34" charset="0"/>
                         </a:rPr>
                         <a:t> </a:t>
                       </a:r>
@@ -9248,6 +9340,8 @@
                       <a:r>
                         <a:rPr lang="da-DK" sz="1800" u="none" strike="noStrike" dirty="0">
                           <a:effectLst/>
+                          <a:latin typeface="Arial" panose="020B0604020202020204" pitchFamily="34" charset="0"/>
+                          <a:cs typeface="Arial" panose="020B0604020202020204" pitchFamily="34" charset="0"/>
                         </a:rPr>
                         <a:t>(55.1±2.1) dB</a:t>
                       </a:r>
